--- a/week1/project desc and stakeholders.pptx
+++ b/week1/project desc and stakeholders.pptx
@@ -106,6 +106,11 @@
       </a:defRPr>
     </a:lvl9pPr>
   </p:defaultTextStyle>
+  <p:extLst>
+    <p:ext uri="{EFAFB233-063F-42B5-8137-9DF3F51BA10A}">
+      <p15:sldGuideLst xmlns:p15="http://schemas.microsoft.com/office/powerpoint/2012/main"/>
+    </p:ext>
+  </p:extLst>
 </p:presentation>
 </file>
 
@@ -256,7 +261,7 @@
           <a:p>
             <a:fld id="{86D1244A-7A56-4689-97FA-EEFD796D6BA4}" type="datetimeFigureOut">
               <a:rPr lang="en-US" smtClean="0"/>
-              <a:t>3/7/2024</a:t>
+              <a:t>5/15/2024</a:t>
             </a:fld>
             <a:endParaRPr lang="en-US"/>
           </a:p>
@@ -454,7 +459,7 @@
           <a:p>
             <a:fld id="{86D1244A-7A56-4689-97FA-EEFD796D6BA4}" type="datetimeFigureOut">
               <a:rPr lang="en-US" smtClean="0"/>
-              <a:t>3/7/2024</a:t>
+              <a:t>5/15/2024</a:t>
             </a:fld>
             <a:endParaRPr lang="en-US"/>
           </a:p>
@@ -662,7 +667,7 @@
           <a:p>
             <a:fld id="{86D1244A-7A56-4689-97FA-EEFD796D6BA4}" type="datetimeFigureOut">
               <a:rPr lang="en-US" smtClean="0"/>
-              <a:t>3/7/2024</a:t>
+              <a:t>5/15/2024</a:t>
             </a:fld>
             <a:endParaRPr lang="en-US"/>
           </a:p>
@@ -860,7 +865,7 @@
           <a:p>
             <a:fld id="{86D1244A-7A56-4689-97FA-EEFD796D6BA4}" type="datetimeFigureOut">
               <a:rPr lang="en-US" smtClean="0"/>
-              <a:t>3/7/2024</a:t>
+              <a:t>5/15/2024</a:t>
             </a:fld>
             <a:endParaRPr lang="en-US"/>
           </a:p>
@@ -1135,7 +1140,7 @@
           <a:p>
             <a:fld id="{86D1244A-7A56-4689-97FA-EEFD796D6BA4}" type="datetimeFigureOut">
               <a:rPr lang="en-US" smtClean="0"/>
-              <a:t>3/7/2024</a:t>
+              <a:t>5/15/2024</a:t>
             </a:fld>
             <a:endParaRPr lang="en-US"/>
           </a:p>
@@ -1400,7 +1405,7 @@
           <a:p>
             <a:fld id="{86D1244A-7A56-4689-97FA-EEFD796D6BA4}" type="datetimeFigureOut">
               <a:rPr lang="en-US" smtClean="0"/>
-              <a:t>3/7/2024</a:t>
+              <a:t>5/15/2024</a:t>
             </a:fld>
             <a:endParaRPr lang="en-US"/>
           </a:p>
@@ -1812,7 +1817,7 @@
           <a:p>
             <a:fld id="{86D1244A-7A56-4689-97FA-EEFD796D6BA4}" type="datetimeFigureOut">
               <a:rPr lang="en-US" smtClean="0"/>
-              <a:t>3/7/2024</a:t>
+              <a:t>5/15/2024</a:t>
             </a:fld>
             <a:endParaRPr lang="en-US"/>
           </a:p>
@@ -1953,7 +1958,7 @@
           <a:p>
             <a:fld id="{86D1244A-7A56-4689-97FA-EEFD796D6BA4}" type="datetimeFigureOut">
               <a:rPr lang="en-US" smtClean="0"/>
-              <a:t>3/7/2024</a:t>
+              <a:t>5/15/2024</a:t>
             </a:fld>
             <a:endParaRPr lang="en-US"/>
           </a:p>
@@ -2066,7 +2071,7 @@
           <a:p>
             <a:fld id="{86D1244A-7A56-4689-97FA-EEFD796D6BA4}" type="datetimeFigureOut">
               <a:rPr lang="en-US" smtClean="0"/>
-              <a:t>3/7/2024</a:t>
+              <a:t>5/15/2024</a:t>
             </a:fld>
             <a:endParaRPr lang="en-US"/>
           </a:p>
@@ -2377,7 +2382,7 @@
           <a:p>
             <a:fld id="{86D1244A-7A56-4689-97FA-EEFD796D6BA4}" type="datetimeFigureOut">
               <a:rPr lang="en-US" smtClean="0"/>
-              <a:t>3/7/2024</a:t>
+              <a:t>5/15/2024</a:t>
             </a:fld>
             <a:endParaRPr lang="en-US"/>
           </a:p>
@@ -2665,7 +2670,7 @@
           <a:p>
             <a:fld id="{86D1244A-7A56-4689-97FA-EEFD796D6BA4}" type="datetimeFigureOut">
               <a:rPr lang="en-US" smtClean="0"/>
-              <a:t>3/7/2024</a:t>
+              <a:t>5/15/2024</a:t>
             </a:fld>
             <a:endParaRPr lang="en-US"/>
           </a:p>
@@ -2906,7 +2911,7 @@
           <a:p>
             <a:fld id="{86D1244A-7A56-4689-97FA-EEFD796D6BA4}" type="datetimeFigureOut">
               <a:rPr lang="en-US" smtClean="0"/>
-              <a:t>3/7/2024</a:t>
+              <a:t>5/15/2024</a:t>
             </a:fld>
             <a:endParaRPr lang="en-US"/>
           </a:p>
@@ -3749,7 +3754,7 @@
                 <a:latin typeface="Times New Roman" panose="02020603050405020304" pitchFamily="18" charset="0"/>
                 <a:cs typeface="Times New Roman" panose="02020603050405020304" pitchFamily="18" charset="0"/>
               </a:rPr>
-              <a:t>Firstly, the multifaceted nature of hospital management systems presents an excellent opportunity for our team to delve into a diverse array of functionalities and requirements. From </a:t>
+              <a:t>Firstly, the multifaceted nature of hospital management systems presents an excellent opportunity for our team to delve into a diverse array of functionalities and requirements. From emergency </a:t>
             </a:r>
             <a:r>
               <a:rPr lang="en-US" sz="1600" b="0" i="0" u="none" strike="noStrike" dirty="0" err="1">
@@ -3760,7 +3765,7 @@
                 <a:latin typeface="Times New Roman" panose="02020603050405020304" pitchFamily="18" charset="0"/>
                 <a:cs typeface="Times New Roman" panose="02020603050405020304" pitchFamily="18" charset="0"/>
               </a:rPr>
-              <a:t>livecare</a:t>
+              <a:t>services,personal</a:t>
             </a:r>
             <a:r>
               <a:rPr lang="en-US" sz="1600" b="0" i="0" u="none" strike="noStrike" dirty="0">
@@ -3771,7 +3776,7 @@
                 <a:latin typeface="Times New Roman" panose="02020603050405020304" pitchFamily="18" charset="0"/>
                 <a:cs typeface="Times New Roman" panose="02020603050405020304" pitchFamily="18" charset="0"/>
               </a:rPr>
-              <a:t> , emergency </a:t>
+              <a:t> file/ medical file ,book appointment , lab results, blood </a:t>
             </a:r>
             <a:r>
               <a:rPr lang="en-US" sz="1600" b="0" i="0" u="none" strike="noStrike" dirty="0" err="1">
@@ -3782,7 +3787,7 @@
                 <a:latin typeface="Times New Roman" panose="02020603050405020304" pitchFamily="18" charset="0"/>
                 <a:cs typeface="Times New Roman" panose="02020603050405020304" pitchFamily="18" charset="0"/>
               </a:rPr>
-              <a:t>services,personal</a:t>
+              <a:t>donation,medicine</a:t>
             </a:r>
             <a:r>
               <a:rPr lang="en-US" sz="1600" b="0" i="0" u="none" strike="noStrike" dirty="0">
@@ -3793,51 +3798,7 @@
                 <a:latin typeface="Times New Roman" panose="02020603050405020304" pitchFamily="18" charset="0"/>
                 <a:cs typeface="Times New Roman" panose="02020603050405020304" pitchFamily="18" charset="0"/>
               </a:rPr>
-              <a:t> file ,book appointment , lab </a:t>
-            </a:r>
-            <a:r>
-              <a:rPr lang="en-US" sz="1600" b="0" i="0" u="none" strike="noStrike" dirty="0" err="1">
-                <a:solidFill>
-                  <a:srgbClr val="000000"/>
-                </a:solidFill>
-                <a:effectLst/>
-                <a:latin typeface="Times New Roman" panose="02020603050405020304" pitchFamily="18" charset="0"/>
-                <a:cs typeface="Times New Roman" panose="02020603050405020304" pitchFamily="18" charset="0"/>
-              </a:rPr>
-              <a:t>results,online</a:t>
-            </a:r>
-            <a:r>
-              <a:rPr lang="en-US" sz="1600" b="0" i="0" u="none" strike="noStrike" dirty="0">
-                <a:solidFill>
-                  <a:srgbClr val="000000"/>
-                </a:solidFill>
-                <a:effectLst/>
-                <a:latin typeface="Times New Roman" panose="02020603050405020304" pitchFamily="18" charset="0"/>
-                <a:cs typeface="Times New Roman" panose="02020603050405020304" pitchFamily="18" charset="0"/>
-              </a:rPr>
-              <a:t> payment, blood </a:t>
-            </a:r>
-            <a:r>
-              <a:rPr lang="en-US" sz="1600" b="0" i="0" u="none" strike="noStrike" dirty="0" err="1">
-                <a:solidFill>
-                  <a:srgbClr val="000000"/>
-                </a:solidFill>
-                <a:effectLst/>
-                <a:latin typeface="Times New Roman" panose="02020603050405020304" pitchFamily="18" charset="0"/>
-                <a:cs typeface="Times New Roman" panose="02020603050405020304" pitchFamily="18" charset="0"/>
-              </a:rPr>
-              <a:t>donation,medicine</a:t>
-            </a:r>
-            <a:r>
-              <a:rPr lang="en-US" sz="1600" b="0" i="0" u="none" strike="noStrike" dirty="0">
-                <a:solidFill>
-                  <a:srgbClr val="000000"/>
-                </a:solidFill>
-                <a:effectLst/>
-                <a:latin typeface="Times New Roman" panose="02020603050405020304" pitchFamily="18" charset="0"/>
-                <a:cs typeface="Times New Roman" panose="02020603050405020304" pitchFamily="18" charset="0"/>
-              </a:rPr>
-              <a:t> prescription , personal appointments , home healthcare ,sick leave , monthly report ,reviewing medical staff, linking smart devices ,etc. this platform seamlessly integrates all essential hospital management tools and features into one cohesive system , </a:t>
+              <a:t> prescription , personal appointments , home healthcare ,sick leave , monthly report ,rating  medical staff ,my family , help and support integration ,etc. this platform seamlessly integrates all essential hospital management tools and features into one cohesive system , </a:t>
             </a:r>
             <a:r>
               <a:rPr lang="en-US" sz="1600" b="0" i="0" u="none" strike="noStrike" dirty="0" err="1">
@@ -3954,7 +3915,29 @@
                 <a:latin typeface="Times New Roman" panose="02020603050405020304" pitchFamily="18" charset="0"/>
                 <a:cs typeface="Times New Roman" panose="02020603050405020304" pitchFamily="18" charset="0"/>
               </a:rPr>
-              <a:t>In essence, our decision to focus on hospital management systems for our software engineering modeling and design project reflects a thoughtful consideration of the complexity, relevance, and learning opportunities inherent in this domain. By embarking on this journey together, we are committed to tackling the challenges ahead with enthusiasm, creativity, and a shared sense of purpose.</a:t>
+              <a:t>In essence, our decision to focus on </a:t>
+            </a:r>
+            <a:r>
+              <a:rPr lang="en-US" sz="1600" b="0" i="0" u="none" strike="noStrike" dirty="0" err="1">
+                <a:solidFill>
+                  <a:srgbClr val="000000"/>
+                </a:solidFill>
+                <a:effectLst/>
+                <a:latin typeface="Times New Roman" panose="02020603050405020304" pitchFamily="18" charset="0"/>
+                <a:cs typeface="Times New Roman" panose="02020603050405020304" pitchFamily="18" charset="0"/>
+              </a:rPr>
+              <a:t>patinent</a:t>
+            </a:r>
+            <a:r>
+              <a:rPr lang="en-US" sz="1600" b="0" i="0" u="none" strike="noStrike" dirty="0">
+                <a:solidFill>
+                  <a:srgbClr val="000000"/>
+                </a:solidFill>
+                <a:effectLst/>
+                <a:latin typeface="Times New Roman" panose="02020603050405020304" pitchFamily="18" charset="0"/>
+                <a:cs typeface="Times New Roman" panose="02020603050405020304" pitchFamily="18" charset="0"/>
+              </a:rPr>
+              <a:t> management systems for our software engineering modeling and design project reflects a thoughtful consideration of the complexity, relevance, and learning opportunities inherent in this domain. By embarking on this journey together, we are committed to tackling the challenges ahead with enthusiasm, creativity, and a shared sense of purpose.</a:t>
             </a:r>
             <a:endParaRPr lang="en-US" sz="1600" b="0" dirty="0">
               <a:effectLst/>
@@ -4059,7 +4042,7 @@
         </p:spPr>
         <p:txBody>
           <a:bodyPr numCol="2">
-            <a:normAutofit fontScale="85000" lnSpcReduction="20000"/>
+            <a:normAutofit/>
           </a:bodyPr>
           <a:lstStyle/>
           <a:p>
@@ -4124,7 +4107,7 @@
                 <a:latin typeface="Times New Roman" panose="02020603050405020304" pitchFamily="18" charset="0"/>
                 <a:cs typeface="Times New Roman" panose="02020603050405020304" pitchFamily="18" charset="0"/>
               </a:rPr>
-              <a:t> Insurance companies </a:t>
+              <a:t>Blood banks and donor organizations </a:t>
             </a:r>
           </a:p>
           <a:p>
@@ -4137,7 +4120,7 @@
                 <a:latin typeface="Times New Roman" panose="02020603050405020304" pitchFamily="18" charset="0"/>
                 <a:cs typeface="Times New Roman" panose="02020603050405020304" pitchFamily="18" charset="0"/>
               </a:rPr>
-              <a:t>Blood banks and donor organization </a:t>
+              <a:t> Emergency service providers </a:t>
             </a:r>
           </a:p>
           <a:p>
@@ -4150,7 +4133,7 @@
                 <a:latin typeface="Times New Roman" panose="02020603050405020304" pitchFamily="18" charset="0"/>
                 <a:cs typeface="Times New Roman" panose="02020603050405020304" pitchFamily="18" charset="0"/>
               </a:rPr>
-              <a:t> Emergency service providers </a:t>
+              <a:t>Legal advisors </a:t>
             </a:r>
           </a:p>
           <a:p>
@@ -4163,7 +4146,7 @@
                 <a:latin typeface="Times New Roman" panose="02020603050405020304" pitchFamily="18" charset="0"/>
                 <a:cs typeface="Times New Roman" panose="02020603050405020304" pitchFamily="18" charset="0"/>
               </a:rPr>
-              <a:t>Telemedicine service providers </a:t>
+              <a:t>Government Health Department </a:t>
             </a:r>
           </a:p>
           <a:p>
@@ -4176,7 +4159,7 @@
                 <a:latin typeface="Times New Roman" panose="02020603050405020304" pitchFamily="18" charset="0"/>
                 <a:cs typeface="Times New Roman" panose="02020603050405020304" pitchFamily="18" charset="0"/>
               </a:rPr>
-              <a:t> Legal advisors </a:t>
+              <a:t>Quality Assurance Organizations </a:t>
             </a:r>
           </a:p>
           <a:p>
@@ -4189,7 +4172,7 @@
                 <a:latin typeface="Times New Roman" panose="02020603050405020304" pitchFamily="18" charset="0"/>
                 <a:cs typeface="Times New Roman" panose="02020603050405020304" pitchFamily="18" charset="0"/>
               </a:rPr>
-              <a:t>Government Health Department </a:t>
+              <a:t> Health Information Exchanges </a:t>
             </a:r>
           </a:p>
           <a:p>
@@ -4202,7 +4185,7 @@
                 <a:latin typeface="Times New Roman" panose="02020603050405020304" pitchFamily="18" charset="0"/>
                 <a:cs typeface="Times New Roman" panose="02020603050405020304" pitchFamily="18" charset="0"/>
               </a:rPr>
-              <a:t>Quality Assurance Organizations </a:t>
+              <a:t>Patient family members /caregivers </a:t>
             </a:r>
           </a:p>
           <a:p>
@@ -4215,7 +4198,7 @@
                 <a:latin typeface="Times New Roman" panose="02020603050405020304" pitchFamily="18" charset="0"/>
                 <a:cs typeface="Times New Roman" panose="02020603050405020304" pitchFamily="18" charset="0"/>
               </a:rPr>
-              <a:t> Health Information Exchanges </a:t>
+              <a:t>Emergency Response Teams </a:t>
             </a:r>
           </a:p>
           <a:p>
@@ -4228,7 +4211,7 @@
                 <a:latin typeface="Times New Roman" panose="02020603050405020304" pitchFamily="18" charset="0"/>
                 <a:cs typeface="Times New Roman" panose="02020603050405020304" pitchFamily="18" charset="0"/>
               </a:rPr>
-              <a:t>Patient family members /caregivers </a:t>
+              <a:t>Health Information Technology Vendors </a:t>
             </a:r>
           </a:p>
           <a:p>
@@ -4241,72 +4224,7 @@
                 <a:latin typeface="Times New Roman" panose="02020603050405020304" pitchFamily="18" charset="0"/>
                 <a:cs typeface="Times New Roman" panose="02020603050405020304" pitchFamily="18" charset="0"/>
               </a:rPr>
-              <a:t>Emergency Response Teams </a:t>
-            </a:r>
-          </a:p>
-          <a:p>
-            <a:r>
-              <a:rPr lang="en-US" sz="1800" b="0" i="0" u="none" strike="noStrike" dirty="0">
-                <a:solidFill>
-                  <a:srgbClr val="000000"/>
-                </a:solidFill>
-                <a:effectLst/>
-                <a:latin typeface="Times New Roman" panose="02020603050405020304" pitchFamily="18" charset="0"/>
-                <a:cs typeface="Times New Roman" panose="02020603050405020304" pitchFamily="18" charset="0"/>
-              </a:rPr>
-              <a:t>Health Information Technology Vendors </a:t>
-            </a:r>
-          </a:p>
-          <a:p>
-            <a:r>
-              <a:rPr lang="en-US" sz="1800" b="0" i="0" u="none" strike="noStrike" dirty="0">
-                <a:solidFill>
-                  <a:srgbClr val="000000"/>
-                </a:solidFill>
-                <a:effectLst/>
-                <a:latin typeface="Times New Roman" panose="02020603050405020304" pitchFamily="18" charset="0"/>
-                <a:cs typeface="Times New Roman" panose="02020603050405020304" pitchFamily="18" charset="0"/>
-              </a:rPr>
-              <a:t>  Medical Ethics Board </a:t>
-            </a:r>
-          </a:p>
-          <a:p>
-            <a:r>
-              <a:rPr lang="en-US" sz="1800" b="0" i="0" u="none" strike="noStrike" dirty="0">
-                <a:solidFill>
-                  <a:srgbClr val="000000"/>
-                </a:solidFill>
-                <a:effectLst/>
-                <a:latin typeface="Times New Roman" panose="02020603050405020304" pitchFamily="18" charset="0"/>
-                <a:cs typeface="Times New Roman" panose="02020603050405020304" pitchFamily="18" charset="0"/>
-              </a:rPr>
-              <a:t> Healthcare consultants </a:t>
-            </a:r>
-          </a:p>
-          <a:p>
-            <a:r>
-              <a:rPr lang="en-US" sz="1800" b="0" i="0" u="none" strike="noStrike" dirty="0">
-                <a:solidFill>
-                  <a:srgbClr val="000000"/>
-                </a:solidFill>
-                <a:effectLst/>
-                <a:latin typeface="Times New Roman" panose="02020603050405020304" pitchFamily="18" charset="0"/>
-                <a:cs typeface="Times New Roman" panose="02020603050405020304" pitchFamily="18" charset="0"/>
-              </a:rPr>
-              <a:t>  Healthcare Interpreters/Translators </a:t>
-            </a:r>
-          </a:p>
-          <a:p>
-            <a:r>
-              <a:rPr lang="en-US" sz="1800" b="0" i="0" u="none" strike="noStrike" dirty="0">
-                <a:solidFill>
-                  <a:srgbClr val="000000"/>
-                </a:solidFill>
-                <a:effectLst/>
-                <a:latin typeface="Times New Roman" panose="02020603050405020304" pitchFamily="18" charset="0"/>
-                <a:cs typeface="Times New Roman" panose="02020603050405020304" pitchFamily="18" charset="0"/>
-              </a:rPr>
-              <a:t>Medical Coding and Billing Specialists </a:t>
+              <a:t>Medical Ethics Board </a:t>
             </a:r>
           </a:p>
           <a:p>
@@ -4679,6 +4597,15 @@
 </file>
 
 <file path=customXml/item1.xml><?xml version="1.0" encoding="utf-8"?>
+<?mso-contentType ?>
+<FormTemplates xmlns="http://schemas.microsoft.com/sharepoint/v3/contenttype/forms">
+  <Display>DocumentLibraryForm</Display>
+  <Edit>DocumentLibraryForm</Edit>
+  <New>DocumentLibraryForm</New>
+</FormTemplates>
+</file>
+
+<file path=customXml/item2.xml><?xml version="1.0" encoding="utf-8"?>
 <ct:contentTypeSchema xmlns:ct="http://schemas.microsoft.com/office/2006/metadata/contentType" xmlns:ma="http://schemas.microsoft.com/office/2006/metadata/properties/metaAttributes" ct:_="" ma:_="" ma:contentTypeName="Document" ma:contentTypeID="0x0101001CA0C268513D8444832D7B6C76A62F18" ma:contentTypeVersion="3" ma:contentTypeDescription="Create a new document." ma:contentTypeScope="" ma:versionID="20213475b6a182a27cdae7290b99df52">
   <xsd:schema xmlns:xsd="http://www.w3.org/2001/XMLSchema" xmlns:xs="http://www.w3.org/2001/XMLSchema" xmlns:p="http://schemas.microsoft.com/office/2006/metadata/properties" xmlns:ns3="41ac9480-a737-400b-b7a0-ac0a62f8ffab" targetNamespace="http://schemas.microsoft.com/office/2006/metadata/properties" ma:root="true" ma:fieldsID="2fbb7e7b5a3fcb83a64cc8480277abe8" ns3:_="">
     <xsd:import namespace="41ac9480-a737-400b-b7a0-ac0a62f8ffab"/>
@@ -4816,15 +4743,6 @@
 </ct:contentTypeSchema>
 </file>
 
-<file path=customXml/item2.xml><?xml version="1.0" encoding="utf-8"?>
-<?mso-contentType ?>
-<FormTemplates xmlns="http://schemas.microsoft.com/sharepoint/v3/contenttype/forms">
-  <Display>DocumentLibraryForm</Display>
-  <Edit>DocumentLibraryForm</Edit>
-  <New>DocumentLibraryForm</New>
-</FormTemplates>
-</file>
-
 <file path=customXml/item3.xml><?xml version="1.0" encoding="utf-8"?>
 <p:properties xmlns:p="http://schemas.microsoft.com/office/2006/metadata/properties" xmlns:xsi="http://www.w3.org/2001/XMLSchema-instance" xmlns:pc="http://schemas.microsoft.com/office/infopath/2007/PartnerControls">
   <documentManagement/>
@@ -4832,6 +4750,14 @@
 </file>
 
 <file path=customXml/itemProps1.xml><?xml version="1.0" encoding="utf-8"?>
+<ds:datastoreItem xmlns:ds="http://schemas.openxmlformats.org/officeDocument/2006/customXml" ds:itemID="{3DDD310F-430C-4634-8FC3-1EB1C9A249D4}">
+  <ds:schemaRefs>
+    <ds:schemaRef ds:uri="http://schemas.microsoft.com/sharepoint/v3/contenttype/forms"/>
+  </ds:schemaRefs>
+</ds:datastoreItem>
+</file>
+
+<file path=customXml/itemProps2.xml><?xml version="1.0" encoding="utf-8"?>
 <ds:datastoreItem xmlns:ds="http://schemas.openxmlformats.org/officeDocument/2006/customXml" ds:itemID="{F4B0A10A-8F53-497D-A1E0-39CA407D332C}">
   <ds:schemaRefs>
     <ds:schemaRef ds:uri="http://schemas.microsoft.com/office/2006/metadata/contentType"/>
@@ -4845,14 +4771,6 @@
     <ds:schemaRef ds:uri="http://purl.org/dc/elements/1.1/"/>
     <ds:schemaRef ds:uri="http://purl.org/dc/terms/"/>
     <ds:schemaRef ds:uri="http://schemas.microsoft.com/internal/obd"/>
-  </ds:schemaRefs>
-</ds:datastoreItem>
-</file>
-
-<file path=customXml/itemProps2.xml><?xml version="1.0" encoding="utf-8"?>
-<ds:datastoreItem xmlns:ds="http://schemas.openxmlformats.org/officeDocument/2006/customXml" ds:itemID="{3DDD310F-430C-4634-8FC3-1EB1C9A249D4}">
-  <ds:schemaRefs>
-    <ds:schemaRef ds:uri="http://schemas.microsoft.com/sharepoint/v3/contenttype/forms"/>
   </ds:schemaRefs>
 </ds:datastoreItem>
 </file>

--- a/week1/project desc and stakeholders.pptx
+++ b/week1/project desc and stakeholders.pptx
@@ -3754,7 +3754,7 @@
                 <a:latin typeface="Times New Roman" panose="02020603050405020304" pitchFamily="18" charset="0"/>
                 <a:cs typeface="Times New Roman" panose="02020603050405020304" pitchFamily="18" charset="0"/>
               </a:rPr>
-              <a:t>Firstly, the multifaceted nature of hospital management systems presents an excellent opportunity for our team to delve into a diverse array of functionalities and requirements. From emergency </a:t>
+              <a:t>Firstly, the multifaceted nature of hospital management systems presents an excellent opportunity for our team to delve into a diverse array of functionalities and requirements. From emergency services, personal file/ medical file ,book appointment , lab results, blood donations, medicine prescription, personal appointments, home </a:t>
             </a:r>
             <a:r>
               <a:rPr lang="en-US" sz="1600" b="0" i="0" u="none" strike="noStrike" dirty="0" err="1">
@@ -3765,7 +3765,7 @@
                 <a:latin typeface="Times New Roman" panose="02020603050405020304" pitchFamily="18" charset="0"/>
                 <a:cs typeface="Times New Roman" panose="02020603050405020304" pitchFamily="18" charset="0"/>
               </a:rPr>
-              <a:t>services,personal</a:t>
+              <a:t>healthcare,sick</a:t>
             </a:r>
             <a:r>
               <a:rPr lang="en-US" sz="1600" b="0" i="0" u="none" strike="noStrike" dirty="0">
@@ -3776,51 +3776,7 @@
                 <a:latin typeface="Times New Roman" panose="02020603050405020304" pitchFamily="18" charset="0"/>
                 <a:cs typeface="Times New Roman" panose="02020603050405020304" pitchFamily="18" charset="0"/>
               </a:rPr>
-              <a:t> file/ medical file ,book appointment , lab results, blood </a:t>
-            </a:r>
-            <a:r>
-              <a:rPr lang="en-US" sz="1600" b="0" i="0" u="none" strike="noStrike" dirty="0" err="1">
-                <a:solidFill>
-                  <a:srgbClr val="000000"/>
-                </a:solidFill>
-                <a:effectLst/>
-                <a:latin typeface="Times New Roman" panose="02020603050405020304" pitchFamily="18" charset="0"/>
-                <a:cs typeface="Times New Roman" panose="02020603050405020304" pitchFamily="18" charset="0"/>
-              </a:rPr>
-              <a:t>donation,medicine</a:t>
-            </a:r>
-            <a:r>
-              <a:rPr lang="en-US" sz="1600" b="0" i="0" u="none" strike="noStrike" dirty="0">
-                <a:solidFill>
-                  <a:srgbClr val="000000"/>
-                </a:solidFill>
-                <a:effectLst/>
-                <a:latin typeface="Times New Roman" panose="02020603050405020304" pitchFamily="18" charset="0"/>
-                <a:cs typeface="Times New Roman" panose="02020603050405020304" pitchFamily="18" charset="0"/>
-              </a:rPr>
-              <a:t> prescription , personal appointments , home healthcare ,sick leave , monthly report ,rating  medical staff ,my family , help and support integration ,etc. this platform seamlessly integrates all essential hospital management tools and features into one cohesive system , </a:t>
-            </a:r>
-            <a:r>
-              <a:rPr lang="en-US" sz="1600" b="0" i="0" u="none" strike="noStrike" dirty="0" err="1">
-                <a:solidFill>
-                  <a:srgbClr val="000000"/>
-                </a:solidFill>
-                <a:effectLst/>
-                <a:latin typeface="Times New Roman" panose="02020603050405020304" pitchFamily="18" charset="0"/>
-                <a:cs typeface="Times New Roman" panose="02020603050405020304" pitchFamily="18" charset="0"/>
-              </a:rPr>
-              <a:t>enuring</a:t>
-            </a:r>
-            <a:r>
-              <a:rPr lang="en-US" sz="1600" b="0" i="0" u="none" strike="noStrike" dirty="0">
-                <a:solidFill>
-                  <a:srgbClr val="000000"/>
-                </a:solidFill>
-                <a:effectLst/>
-                <a:latin typeface="Times New Roman" panose="02020603050405020304" pitchFamily="18" charset="0"/>
-                <a:cs typeface="Times New Roman" panose="02020603050405020304" pitchFamily="18" charset="0"/>
-              </a:rPr>
-              <a:t> all your needs are efficiently met. </a:t>
+              <a:t> leave , monthly report ,rating  medical staff ,my family, help and support integration, etc. this platform seamlessly integrates all essential hospital management tools and features into one cohesive system, ensuring all your needs are efficiently met. </a:t>
             </a:r>
             <a:endParaRPr lang="en-US" sz="1600" b="0" dirty="0">
               <a:effectLst/>
@@ -3918,15 +3874,11 @@
               <a:t>In essence, our decision to focus on </a:t>
             </a:r>
             <a:r>
-              <a:rPr lang="en-US" sz="1600" b="0" i="0" u="none" strike="noStrike" dirty="0" err="1">
-                <a:solidFill>
-                  <a:srgbClr val="000000"/>
-                </a:solidFill>
-                <a:effectLst/>
-                <a:latin typeface="Times New Roman" panose="02020603050405020304" pitchFamily="18" charset="0"/>
-                <a:cs typeface="Times New Roman" panose="02020603050405020304" pitchFamily="18" charset="0"/>
-              </a:rPr>
-              <a:t>patinent</a:t>
+              <a:rPr lang="en-US" sz="1600" dirty="0">
+                <a:latin typeface="Times New Roman" panose="02020603050405020304" pitchFamily="18" charset="0"/>
+                <a:cs typeface="Times New Roman" panose="02020603050405020304" pitchFamily="18" charset="0"/>
+              </a:rPr>
+              <a:t>patient</a:t>
             </a:r>
             <a:r>
               <a:rPr lang="en-US" sz="1600" b="0" i="0" u="none" strike="noStrike" dirty="0">
@@ -4597,12 +4549,9 @@
 </file>
 
 <file path=customXml/item1.xml><?xml version="1.0" encoding="utf-8"?>
-<?mso-contentType ?>
-<FormTemplates xmlns="http://schemas.microsoft.com/sharepoint/v3/contenttype/forms">
-  <Display>DocumentLibraryForm</Display>
-  <Edit>DocumentLibraryForm</Edit>
-  <New>DocumentLibraryForm</New>
-</FormTemplates>
+<p:properties xmlns:p="http://schemas.microsoft.com/office/2006/metadata/properties" xmlns:xsi="http://www.w3.org/2001/XMLSchema-instance" xmlns:pc="http://schemas.microsoft.com/office/infopath/2007/PartnerControls">
+  <documentManagement/>
+</p:properties>
 </file>
 
 <file path=customXml/item2.xml><?xml version="1.0" encoding="utf-8"?>
@@ -4744,15 +4693,26 @@
 </file>
 
 <file path=customXml/item3.xml><?xml version="1.0" encoding="utf-8"?>
-<p:properties xmlns:p="http://schemas.microsoft.com/office/2006/metadata/properties" xmlns:xsi="http://www.w3.org/2001/XMLSchema-instance" xmlns:pc="http://schemas.microsoft.com/office/infopath/2007/PartnerControls">
-  <documentManagement/>
-</p:properties>
+<?mso-contentType ?>
+<FormTemplates xmlns="http://schemas.microsoft.com/sharepoint/v3/contenttype/forms">
+  <Display>DocumentLibraryForm</Display>
+  <Edit>DocumentLibraryForm</Edit>
+  <New>DocumentLibraryForm</New>
+</FormTemplates>
 </file>
 
 <file path=customXml/itemProps1.xml><?xml version="1.0" encoding="utf-8"?>
-<ds:datastoreItem xmlns:ds="http://schemas.openxmlformats.org/officeDocument/2006/customXml" ds:itemID="{3DDD310F-430C-4634-8FC3-1EB1C9A249D4}">
+<ds:datastoreItem xmlns:ds="http://schemas.openxmlformats.org/officeDocument/2006/customXml" ds:itemID="{670E83E8-4FAC-460B-A30A-3CA78656320F}">
   <ds:schemaRefs>
-    <ds:schemaRef ds:uri="http://schemas.microsoft.com/sharepoint/v3/contenttype/forms"/>
+    <ds:schemaRef ds:uri="http://schemas.microsoft.com/office/infopath/2007/PartnerControls"/>
+    <ds:schemaRef ds:uri="http://purl.org/dc/dcmitype/"/>
+    <ds:schemaRef ds:uri="http://schemas.openxmlformats.org/package/2006/metadata/core-properties"/>
+    <ds:schemaRef ds:uri="http://schemas.microsoft.com/office/2006/documentManagement/types"/>
+    <ds:schemaRef ds:uri="http://purl.org/dc/terms/"/>
+    <ds:schemaRef ds:uri="http://purl.org/dc/elements/1.1/"/>
+    <ds:schemaRef ds:uri="41ac9480-a737-400b-b7a0-ac0a62f8ffab"/>
+    <ds:schemaRef ds:uri="http://schemas.microsoft.com/office/2006/metadata/properties"/>
+    <ds:schemaRef ds:uri="http://www.w3.org/XML/1998/namespace"/>
   </ds:schemaRefs>
 </ds:datastoreItem>
 </file>
@@ -4776,17 +4736,9 @@
 </file>
 
 <file path=customXml/itemProps3.xml><?xml version="1.0" encoding="utf-8"?>
-<ds:datastoreItem xmlns:ds="http://schemas.openxmlformats.org/officeDocument/2006/customXml" ds:itemID="{670E83E8-4FAC-460B-A30A-3CA78656320F}">
+<ds:datastoreItem xmlns:ds="http://schemas.openxmlformats.org/officeDocument/2006/customXml" ds:itemID="{3DDD310F-430C-4634-8FC3-1EB1C9A249D4}">
   <ds:schemaRefs>
-    <ds:schemaRef ds:uri="http://schemas.microsoft.com/office/infopath/2007/PartnerControls"/>
-    <ds:schemaRef ds:uri="http://purl.org/dc/dcmitype/"/>
-    <ds:schemaRef ds:uri="http://schemas.openxmlformats.org/package/2006/metadata/core-properties"/>
-    <ds:schemaRef ds:uri="http://schemas.microsoft.com/office/2006/documentManagement/types"/>
-    <ds:schemaRef ds:uri="http://purl.org/dc/terms/"/>
-    <ds:schemaRef ds:uri="http://purl.org/dc/elements/1.1/"/>
-    <ds:schemaRef ds:uri="41ac9480-a737-400b-b7a0-ac0a62f8ffab"/>
-    <ds:schemaRef ds:uri="http://schemas.microsoft.com/office/2006/metadata/properties"/>
-    <ds:schemaRef ds:uri="http://www.w3.org/XML/1998/namespace"/>
+    <ds:schemaRef ds:uri="http://schemas.microsoft.com/sharepoint/v3/contenttype/forms"/>
   </ds:schemaRefs>
 </ds:datastoreItem>
 </file>